--- a/DevOpsMCR/DevOps for a Microsoft guy - is it really possible.pptx
+++ b/DevOpsMCR/DevOps for a Microsoft guy - is it really possible.pptx
@@ -11,10 +11,10 @@
     <p:sldId id="256" r:id="rId2"/>
     <p:sldId id="258" r:id="rId3"/>
     <p:sldId id="259" r:id="rId4"/>
-    <p:sldId id="293" r:id="rId5"/>
-    <p:sldId id="260" r:id="rId6"/>
-    <p:sldId id="261" r:id="rId7"/>
-    <p:sldId id="287" r:id="rId8"/>
+    <p:sldId id="288" r:id="rId5"/>
+    <p:sldId id="289" r:id="rId6"/>
+    <p:sldId id="287" r:id="rId7"/>
+    <p:sldId id="290" r:id="rId8"/>
     <p:sldId id="283" r:id="rId9"/>
   </p:sldIdLst>
   <p:sldSz cx="12192000" cy="6858000"/>
@@ -547,174 +547,6 @@
     <p:extLst>
       <p:ext uri="{BB962C8B-B14F-4D97-AF65-F5344CB8AC3E}">
         <p14:creationId xmlns:p14="http://schemas.microsoft.com/office/powerpoint/2010/main" val="2923629246"/>
-      </p:ext>
-    </p:extLst>
-  </p:cSld>
-  <p:clrMapOvr>
-    <a:masterClrMapping/>
-  </p:clrMapOvr>
-</p:notes>
-</file>
-
-<file path=ppt/notesSlides/notesSlide2.xml><?xml version="1.0" encoding="utf-8"?>
-<p:notes xmlns:a="http://schemas.openxmlformats.org/drawingml/2006/main" xmlns:r="http://schemas.openxmlformats.org/officeDocument/2006/relationships" xmlns:p="http://schemas.openxmlformats.org/presentationml/2006/main">
-  <p:cSld>
-    <p:spTree>
-      <p:nvGrpSpPr>
-        <p:cNvPr id="1" name=""/>
-        <p:cNvGrpSpPr/>
-        <p:nvPr/>
-      </p:nvGrpSpPr>
-      <p:grpSpPr>
-        <a:xfrm>
-          <a:off x="0" y="0"/>
-          <a:ext cx="0" cy="0"/>
-          <a:chOff x="0" y="0"/>
-          <a:chExt cx="0" cy="0"/>
-        </a:xfrm>
-      </p:grpSpPr>
-      <p:sp>
-        <p:nvSpPr>
-          <p:cNvPr id="2" name="Slide Image Placeholder 1"/>
-          <p:cNvSpPr>
-            <a:spLocks noGrp="1" noRot="1" noChangeAspect="1"/>
-          </p:cNvSpPr>
-          <p:nvPr>
-            <p:ph type="sldImg"/>
-          </p:nvPr>
-        </p:nvSpPr>
-        <p:spPr/>
-      </p:sp>
-      <p:sp>
-        <p:nvSpPr>
-          <p:cNvPr id="3" name="Notes Placeholder 2"/>
-          <p:cNvSpPr>
-            <a:spLocks noGrp="1"/>
-          </p:cNvSpPr>
-          <p:nvPr>
-            <p:ph type="body" idx="1"/>
-          </p:nvPr>
-        </p:nvSpPr>
-        <p:spPr/>
-        <p:txBody>
-          <a:bodyPr/>
-          <a:lstStyle/>
-          <a:p>
-            <a:endParaRPr lang="en-GB" dirty="0"/>
-          </a:p>
-        </p:txBody>
-      </p:sp>
-      <p:sp>
-        <p:nvSpPr>
-          <p:cNvPr id="4" name="Slide Number Placeholder 3"/>
-          <p:cNvSpPr>
-            <a:spLocks noGrp="1"/>
-          </p:cNvSpPr>
-          <p:nvPr>
-            <p:ph type="sldNum" sz="quarter" idx="10"/>
-          </p:nvPr>
-        </p:nvSpPr>
-        <p:spPr/>
-        <p:txBody>
-          <a:bodyPr/>
-          <a:lstStyle/>
-          <a:p>
-            <a:fld id="{3D375574-47E6-4262-A62F-628BCD983975}" type="slidenum">
-              <a:rPr lang="en-GB" smtClean="0"/>
-              <a:t>4</a:t>
-            </a:fld>
-            <a:endParaRPr lang="en-GB"/>
-          </a:p>
-        </p:txBody>
-      </p:sp>
-    </p:spTree>
-    <p:extLst>
-      <p:ext uri="{BB962C8B-B14F-4D97-AF65-F5344CB8AC3E}">
-        <p14:creationId xmlns:p14="http://schemas.microsoft.com/office/powerpoint/2010/main" val="2264502828"/>
-      </p:ext>
-    </p:extLst>
-  </p:cSld>
-  <p:clrMapOvr>
-    <a:masterClrMapping/>
-  </p:clrMapOvr>
-</p:notes>
-</file>
-
-<file path=ppt/notesSlides/notesSlide3.xml><?xml version="1.0" encoding="utf-8"?>
-<p:notes xmlns:a="http://schemas.openxmlformats.org/drawingml/2006/main" xmlns:r="http://schemas.openxmlformats.org/officeDocument/2006/relationships" xmlns:p="http://schemas.openxmlformats.org/presentationml/2006/main">
-  <p:cSld>
-    <p:spTree>
-      <p:nvGrpSpPr>
-        <p:cNvPr id="1" name=""/>
-        <p:cNvGrpSpPr/>
-        <p:nvPr/>
-      </p:nvGrpSpPr>
-      <p:grpSpPr>
-        <a:xfrm>
-          <a:off x="0" y="0"/>
-          <a:ext cx="0" cy="0"/>
-          <a:chOff x="0" y="0"/>
-          <a:chExt cx="0" cy="0"/>
-        </a:xfrm>
-      </p:grpSpPr>
-      <p:sp>
-        <p:nvSpPr>
-          <p:cNvPr id="2" name="Slide Image Placeholder 1"/>
-          <p:cNvSpPr>
-            <a:spLocks noGrp="1" noRot="1" noChangeAspect="1"/>
-          </p:cNvSpPr>
-          <p:nvPr>
-            <p:ph type="sldImg"/>
-          </p:nvPr>
-        </p:nvSpPr>
-        <p:spPr/>
-      </p:sp>
-      <p:sp>
-        <p:nvSpPr>
-          <p:cNvPr id="3" name="Notes Placeholder 2"/>
-          <p:cNvSpPr>
-            <a:spLocks noGrp="1"/>
-          </p:cNvSpPr>
-          <p:nvPr>
-            <p:ph type="body" idx="1"/>
-          </p:nvPr>
-        </p:nvSpPr>
-        <p:spPr/>
-        <p:txBody>
-          <a:bodyPr/>
-          <a:lstStyle/>
-          <a:p>
-            <a:endParaRPr lang="en-GB" dirty="0"/>
-          </a:p>
-        </p:txBody>
-      </p:sp>
-      <p:sp>
-        <p:nvSpPr>
-          <p:cNvPr id="4" name="Slide Number Placeholder 3"/>
-          <p:cNvSpPr>
-            <a:spLocks noGrp="1"/>
-          </p:cNvSpPr>
-          <p:nvPr>
-            <p:ph type="sldNum" sz="quarter" idx="10"/>
-          </p:nvPr>
-        </p:nvSpPr>
-        <p:spPr/>
-        <p:txBody>
-          <a:bodyPr/>
-          <a:lstStyle/>
-          <a:p>
-            <a:fld id="{3D375574-47E6-4262-A62F-628BCD983975}" type="slidenum">
-              <a:rPr lang="en-GB" smtClean="0"/>
-              <a:t>6</a:t>
-            </a:fld>
-            <a:endParaRPr lang="en-GB"/>
-          </a:p>
-        </p:txBody>
-      </p:sp>
-    </p:spTree>
-    <p:extLst>
-      <p:ext uri="{BB962C8B-B14F-4D97-AF65-F5344CB8AC3E}">
-        <p14:creationId xmlns:p14="http://schemas.microsoft.com/office/powerpoint/2010/main" val="2879035463"/>
       </p:ext>
     </p:extLst>
   </p:cSld>
@@ -3758,7 +3590,7 @@
           <a:p>
             <a:r>
               <a:rPr lang="en-GB" dirty="0" smtClean="0"/>
-              <a:t>User Group lead for Manchester PowerShell User Group</a:t>
+              <a:t>User Group co-ordinator for PowerShell User Groups in UK</a:t>
             </a:r>
             <a:endParaRPr lang="en-GB" dirty="0"/>
           </a:p>
@@ -4889,7 +4721,7 @@
         </p:nvSpPr>
         <p:spPr>
           <a:xfrm>
-            <a:off x="2933" y="0"/>
+            <a:off x="0" y="0"/>
             <a:ext cx="12192000" cy="6858000"/>
           </a:xfrm>
           <a:prstGeom prst="rect">
@@ -4951,7 +4783,7 @@
           <a:p>
             <a:r>
               <a:rPr lang="en-GB" dirty="0" smtClean="0"/>
-              <a:t>Background to this Session</a:t>
+              <a:t>History Lesson</a:t>
             </a:r>
             <a:endParaRPr lang="en-GB" dirty="0"/>
           </a:p>
@@ -4959,56 +4791,14 @@
       </p:sp>
       <p:sp>
         <p:nvSpPr>
-          <p:cNvPr id="6" name="Subtitle 5"/>
-          <p:cNvSpPr>
-            <a:spLocks noGrp="1"/>
-          </p:cNvSpPr>
-          <p:nvPr>
-            <p:ph type="subTitle" idx="1"/>
-          </p:nvPr>
+          <p:cNvPr id="5" name="TextBox 4"/>
+          <p:cNvSpPr txBox="1"/>
+          <p:nvPr/>
         </p:nvSpPr>
         <p:spPr>
           <a:xfrm>
-            <a:off x="7983893" y="2192694"/>
-            <a:ext cx="3586065" cy="3152602"/>
-          </a:xfrm>
-        </p:spPr>
-        <p:txBody>
-          <a:bodyPr>
-            <a:normAutofit/>
-          </a:bodyPr>
-          <a:lstStyle/>
-          <a:p>
-            <a:r>
-              <a:rPr lang="en-GB" dirty="0" smtClean="0"/>
-              <a:t>How can we get round this issue?</a:t>
-            </a:r>
-          </a:p>
-          <a:p>
-            <a:r>
-              <a:rPr lang="en-GB" dirty="0" smtClean="0"/>
-              <a:t>How can we make things easier?</a:t>
-            </a:r>
-          </a:p>
-          <a:p>
-            <a:r>
-              <a:rPr lang="en-GB" dirty="0" smtClean="0"/>
-              <a:t>How can we ensure that we have a robust and scalable method for service delivery ?</a:t>
-            </a:r>
-            <a:endParaRPr lang="en-GB" dirty="0"/>
-          </a:p>
-        </p:txBody>
-      </p:sp>
-      <p:sp>
-        <p:nvSpPr>
-          <p:cNvPr id="7" name="TextBox 6"/>
-          <p:cNvSpPr txBox="1"/>
-          <p:nvPr/>
-        </p:nvSpPr>
-        <p:spPr>
-          <a:xfrm>
-            <a:off x="289248" y="1595021"/>
-            <a:ext cx="7072604" cy="5632311"/>
+            <a:off x="650240" y="1682618"/>
+            <a:ext cx="3261360" cy="1200329"/>
           </a:xfrm>
           <a:prstGeom prst="rect">
             <a:avLst/>
@@ -5021,112 +4811,148 @@
           </a:bodyPr>
           <a:lstStyle/>
           <a:p>
-            <a:pPr marL="342900" indent="-342900">
-              <a:buFont typeface="Arial" panose="020B0604020202020204" pitchFamily="34" charset="0"/>
-              <a:buChar char="•"/>
-            </a:pPr>
-            <a:r>
-              <a:rPr lang="en-GB" sz="2400" dirty="0" smtClean="0"/>
-              <a:t>Tasks that take 2 or 3 minutes to do can take 3-4 days to get authorised and then actioned</a:t>
-            </a:r>
-          </a:p>
-          <a:p>
-            <a:pPr marL="342900" indent="-342900">
-              <a:buFont typeface="Arial" panose="020B0604020202020204" pitchFamily="34" charset="0"/>
-              <a:buChar char="•"/>
-            </a:pPr>
-            <a:endParaRPr lang="en-GB" sz="2400" dirty="0" smtClean="0"/>
-          </a:p>
-          <a:p>
-            <a:pPr marL="342900" indent="-342900">
-              <a:buFont typeface="Arial" panose="020B0604020202020204" pitchFamily="34" charset="0"/>
-              <a:buChar char="•"/>
-            </a:pPr>
-            <a:r>
-              <a:rPr lang="en-GB" sz="2400" dirty="0" smtClean="0"/>
-              <a:t>IT is </a:t>
-            </a:r>
-            <a:r>
-              <a:rPr lang="en-GB" sz="2400" b="1" u="sng" dirty="0" smtClean="0"/>
-              <a:t>ALWAYS</a:t>
-            </a:r>
-            <a:r>
-              <a:rPr lang="en-GB" sz="2400" dirty="0" smtClean="0"/>
-              <a:t> the blocker – Whether it be People or Processes</a:t>
-            </a:r>
-          </a:p>
-          <a:p>
-            <a:pPr marL="342900" indent="-342900">
-              <a:buFont typeface="Arial" panose="020B0604020202020204" pitchFamily="34" charset="0"/>
-              <a:buChar char="•"/>
-            </a:pPr>
-            <a:endParaRPr lang="en-GB" sz="2400" dirty="0"/>
-          </a:p>
-          <a:p>
-            <a:pPr marL="342900" indent="-342900">
-              <a:buFont typeface="Arial" panose="020B0604020202020204" pitchFamily="34" charset="0"/>
-              <a:buChar char="•"/>
-            </a:pPr>
-            <a:r>
-              <a:rPr lang="en-GB" sz="2400" dirty="0" smtClean="0"/>
-              <a:t>Items of work get lost in 1 persons Inbox</a:t>
-            </a:r>
-          </a:p>
-          <a:p>
-            <a:pPr marL="342900" indent="-342900">
-              <a:buFont typeface="Arial" panose="020B0604020202020204" pitchFamily="34" charset="0"/>
-              <a:buChar char="•"/>
-            </a:pPr>
-            <a:endParaRPr lang="en-GB" sz="2400" dirty="0"/>
-          </a:p>
-          <a:p>
-            <a:pPr marL="342900" indent="-342900">
-              <a:buFont typeface="Arial" panose="020B0604020202020204" pitchFamily="34" charset="0"/>
-              <a:buChar char="•"/>
-            </a:pPr>
-            <a:r>
-              <a:rPr lang="en-GB" sz="2400" dirty="0" smtClean="0"/>
-              <a:t>No mitigation plans in place for holidays/sickness result in project delays</a:t>
-            </a:r>
-          </a:p>
-          <a:p>
-            <a:pPr marL="342900" indent="-342900">
-              <a:buFont typeface="Arial" panose="020B0604020202020204" pitchFamily="34" charset="0"/>
-              <a:buChar char="•"/>
-            </a:pPr>
-            <a:endParaRPr lang="en-GB" sz="2400" dirty="0"/>
-          </a:p>
-          <a:p>
-            <a:pPr marL="342900" indent="-342900">
-              <a:buFont typeface="Arial" panose="020B0604020202020204" pitchFamily="34" charset="0"/>
-              <a:buChar char="•"/>
-            </a:pPr>
-            <a:r>
-              <a:rPr lang="en-GB" sz="2400" dirty="0" smtClean="0"/>
-              <a:t>Business users </a:t>
-            </a:r>
-            <a:r>
-              <a:rPr lang="en-GB" sz="2400" b="1" u="sng" dirty="0" smtClean="0"/>
-              <a:t>will bypass</a:t>
-            </a:r>
-            <a:r>
-              <a:rPr lang="en-GB" sz="2400" dirty="0" smtClean="0"/>
-              <a:t> IT processes so that the work gets done – Dropbox is a common example</a:t>
-            </a:r>
-          </a:p>
-          <a:p>
-            <a:pPr marL="342900" indent="-342900">
-              <a:buFont typeface="Arial" panose="020B0604020202020204" pitchFamily="34" charset="0"/>
-              <a:buChar char="•"/>
-            </a:pPr>
-            <a:endParaRPr lang="en-GB" sz="2400" dirty="0"/>
-          </a:p>
-          <a:p>
-            <a:pPr marL="342900" indent="-342900">
-              <a:buFont typeface="Arial" panose="020B0604020202020204" pitchFamily="34" charset="0"/>
-              <a:buChar char="•"/>
-            </a:pPr>
-            <a:endParaRPr lang="en-GB" sz="2400" dirty="0" smtClean="0"/>
+            <a:r>
+              <a:rPr lang="en-GB" dirty="0" smtClean="0"/>
+              <a:t>Windows machines (end user / servers) have been historically hard to set &amp; then maintain configurations</a:t>
+            </a:r>
+          </a:p>
+        </p:txBody>
+      </p:sp>
+      <p:sp>
+        <p:nvSpPr>
+          <p:cNvPr id="8" name="TextBox 7"/>
+          <p:cNvSpPr txBox="1"/>
+          <p:nvPr/>
+        </p:nvSpPr>
+        <p:spPr>
+          <a:xfrm>
+            <a:off x="4378960" y="2774295"/>
+            <a:ext cx="3271520" cy="1200329"/>
+          </a:xfrm>
+          <a:prstGeom prst="rect">
+            <a:avLst/>
+          </a:prstGeom>
+          <a:noFill/>
+        </p:spPr>
+        <p:txBody>
+          <a:bodyPr wrap="square" rtlCol="0">
+            <a:spAutoFit/>
+          </a:bodyPr>
+          <a:lstStyle/>
+          <a:p>
+            <a:r>
+              <a:rPr lang="en-GB" dirty="0" smtClean="0"/>
+              <a:t>We tend to develop </a:t>
+            </a:r>
+            <a:r>
+              <a:rPr lang="en-GB" dirty="0"/>
+              <a:t>our </a:t>
+            </a:r>
+            <a:r>
+              <a:rPr lang="en-GB" dirty="0" smtClean="0"/>
+              <a:t>own custom </a:t>
+            </a:r>
+            <a:r>
+              <a:rPr lang="en-GB" dirty="0"/>
+              <a:t>processes to cope (scripting methods – reporting </a:t>
+            </a:r>
+            <a:r>
+              <a:rPr lang="en-GB" dirty="0" err="1"/>
+              <a:t>etc</a:t>
+            </a:r>
+            <a:r>
+              <a:rPr lang="en-GB" dirty="0"/>
+              <a:t>)</a:t>
+            </a:r>
+          </a:p>
+        </p:txBody>
+      </p:sp>
+      <p:sp>
+        <p:nvSpPr>
+          <p:cNvPr id="9" name="TextBox 8"/>
+          <p:cNvSpPr txBox="1"/>
+          <p:nvPr/>
+        </p:nvSpPr>
+        <p:spPr>
+          <a:xfrm>
+            <a:off x="7843520" y="4480560"/>
+            <a:ext cx="3749040" cy="1477328"/>
+          </a:xfrm>
+          <a:prstGeom prst="rect">
+            <a:avLst/>
+          </a:prstGeom>
+          <a:noFill/>
+        </p:spPr>
+        <p:txBody>
+          <a:bodyPr wrap="square" rtlCol="0">
+            <a:spAutoFit/>
+          </a:bodyPr>
+          <a:lstStyle/>
+          <a:p>
+            <a:r>
+              <a:rPr lang="en-GB" dirty="0"/>
+              <a:t>Microsoft have tools for this as well including System Centre Configuration Manager, Orchestrator but these can be clunky and need specialist knowledge</a:t>
+            </a:r>
+          </a:p>
+        </p:txBody>
+      </p:sp>
+      <p:sp>
+        <p:nvSpPr>
+          <p:cNvPr id="10" name="TextBox 9"/>
+          <p:cNvSpPr txBox="1"/>
+          <p:nvPr/>
+        </p:nvSpPr>
+        <p:spPr>
+          <a:xfrm>
+            <a:off x="650240" y="4582160"/>
+            <a:ext cx="3129280" cy="1200329"/>
+          </a:xfrm>
+          <a:prstGeom prst="rect">
+            <a:avLst/>
+          </a:prstGeom>
+          <a:noFill/>
+        </p:spPr>
+        <p:txBody>
+          <a:bodyPr wrap="square" rtlCol="0">
+            <a:spAutoFit/>
+          </a:bodyPr>
+          <a:lstStyle/>
+          <a:p>
+            <a:r>
+              <a:rPr lang="en-GB" dirty="0" smtClean="0"/>
+              <a:t>Common to have massive configuration drift between intended configuration and current actual configuration </a:t>
+            </a:r>
+            <a:endParaRPr lang="en-GB" dirty="0"/>
+          </a:p>
+        </p:txBody>
+      </p:sp>
+      <p:sp>
+        <p:nvSpPr>
+          <p:cNvPr id="11" name="TextBox 10"/>
+          <p:cNvSpPr txBox="1"/>
+          <p:nvPr/>
+        </p:nvSpPr>
+        <p:spPr>
+          <a:xfrm>
+            <a:off x="8199120" y="1757680"/>
+            <a:ext cx="3383280" cy="1200329"/>
+          </a:xfrm>
+          <a:prstGeom prst="rect">
+            <a:avLst/>
+          </a:prstGeom>
+          <a:noFill/>
+        </p:spPr>
+        <p:txBody>
+          <a:bodyPr wrap="square" rtlCol="0">
+            <a:spAutoFit/>
+          </a:bodyPr>
+          <a:lstStyle/>
+          <a:p>
+            <a:r>
+              <a:rPr lang="en-GB" dirty="0" smtClean="0"/>
+              <a:t>Typically when an admin leaves an organisation all configuration knowledge is lost as it’s barely documented (in my experience)</a:t>
+            </a:r>
+            <a:endParaRPr lang="en-GB" dirty="0"/>
           </a:p>
         </p:txBody>
       </p:sp>
@@ -5143,488 +4969,9 @@
   <p:timing>
     <p:tnLst>
       <p:par>
-        <p:cTn id="1" dur="indefinite" restart="never" nodeType="tmRoot">
-          <p:childTnLst>
-            <p:seq concurrent="1" nextAc="seek">
-              <p:cTn id="2" dur="indefinite" nodeType="mainSeq">
-                <p:childTnLst>
-                  <p:par>
-                    <p:cTn id="3" fill="hold">
-                      <p:stCondLst>
-                        <p:cond delay="indefinite"/>
-                      </p:stCondLst>
-                      <p:childTnLst>
-                        <p:par>
-                          <p:cTn id="4" fill="hold">
-                            <p:stCondLst>
-                              <p:cond delay="0"/>
-                            </p:stCondLst>
-                            <p:childTnLst>
-                              <p:par>
-                                <p:cTn id="5" presetID="10" presetClass="entr" presetSubtype="0" fill="hold" grpId="0" nodeType="clickEffect">
-                                  <p:stCondLst>
-                                    <p:cond delay="0"/>
-                                  </p:stCondLst>
-                                  <p:childTnLst>
-                                    <p:set>
-                                      <p:cBhvr>
-                                        <p:cTn id="6" dur="1" fill="hold">
-                                          <p:stCondLst>
-                                            <p:cond delay="0"/>
-                                          </p:stCondLst>
-                                        </p:cTn>
-                                        <p:tgtEl>
-                                          <p:spTgt spid="7">
-                                            <p:txEl>
-                                              <p:pRg st="0" end="0"/>
-                                            </p:txEl>
-                                          </p:spTgt>
-                                        </p:tgtEl>
-                                        <p:attrNameLst>
-                                          <p:attrName>style.visibility</p:attrName>
-                                        </p:attrNameLst>
-                                      </p:cBhvr>
-                                      <p:to>
-                                        <p:strVal val="visible"/>
-                                      </p:to>
-                                    </p:set>
-                                    <p:animEffect transition="in" filter="fade">
-                                      <p:cBhvr>
-                                        <p:cTn id="7" dur="10"/>
-                                        <p:tgtEl>
-                                          <p:spTgt spid="7">
-                                            <p:txEl>
-                                              <p:pRg st="0" end="0"/>
-                                            </p:txEl>
-                                          </p:spTgt>
-                                        </p:tgtEl>
-                                      </p:cBhvr>
-                                    </p:animEffect>
-                                  </p:childTnLst>
-                                </p:cTn>
-                              </p:par>
-                            </p:childTnLst>
-                          </p:cTn>
-                        </p:par>
-                      </p:childTnLst>
-                    </p:cTn>
-                  </p:par>
-                  <p:par>
-                    <p:cTn id="8" fill="hold">
-                      <p:stCondLst>
-                        <p:cond delay="indefinite"/>
-                      </p:stCondLst>
-                      <p:childTnLst>
-                        <p:par>
-                          <p:cTn id="9" fill="hold">
-                            <p:stCondLst>
-                              <p:cond delay="0"/>
-                            </p:stCondLst>
-                            <p:childTnLst>
-                              <p:par>
-                                <p:cTn id="10" presetID="10" presetClass="entr" presetSubtype="0" fill="hold" grpId="0" nodeType="clickEffect">
-                                  <p:stCondLst>
-                                    <p:cond delay="0"/>
-                                  </p:stCondLst>
-                                  <p:childTnLst>
-                                    <p:set>
-                                      <p:cBhvr>
-                                        <p:cTn id="11" dur="1" fill="hold">
-                                          <p:stCondLst>
-                                            <p:cond delay="0"/>
-                                          </p:stCondLst>
-                                        </p:cTn>
-                                        <p:tgtEl>
-                                          <p:spTgt spid="7">
-                                            <p:txEl>
-                                              <p:pRg st="2" end="2"/>
-                                            </p:txEl>
-                                          </p:spTgt>
-                                        </p:tgtEl>
-                                        <p:attrNameLst>
-                                          <p:attrName>style.visibility</p:attrName>
-                                        </p:attrNameLst>
-                                      </p:cBhvr>
-                                      <p:to>
-                                        <p:strVal val="visible"/>
-                                      </p:to>
-                                    </p:set>
-                                    <p:animEffect transition="in" filter="fade">
-                                      <p:cBhvr>
-                                        <p:cTn id="12" dur="10"/>
-                                        <p:tgtEl>
-                                          <p:spTgt spid="7">
-                                            <p:txEl>
-                                              <p:pRg st="2" end="2"/>
-                                            </p:txEl>
-                                          </p:spTgt>
-                                        </p:tgtEl>
-                                      </p:cBhvr>
-                                    </p:animEffect>
-                                  </p:childTnLst>
-                                </p:cTn>
-                              </p:par>
-                            </p:childTnLst>
-                          </p:cTn>
-                        </p:par>
-                      </p:childTnLst>
-                    </p:cTn>
-                  </p:par>
-                  <p:par>
-                    <p:cTn id="13" fill="hold">
-                      <p:stCondLst>
-                        <p:cond delay="indefinite"/>
-                      </p:stCondLst>
-                      <p:childTnLst>
-                        <p:par>
-                          <p:cTn id="14" fill="hold">
-                            <p:stCondLst>
-                              <p:cond delay="0"/>
-                            </p:stCondLst>
-                            <p:childTnLst>
-                              <p:par>
-                                <p:cTn id="15" presetID="10" presetClass="entr" presetSubtype="0" fill="hold" grpId="0" nodeType="clickEffect">
-                                  <p:stCondLst>
-                                    <p:cond delay="0"/>
-                                  </p:stCondLst>
-                                  <p:childTnLst>
-                                    <p:set>
-                                      <p:cBhvr>
-                                        <p:cTn id="16" dur="1" fill="hold">
-                                          <p:stCondLst>
-                                            <p:cond delay="0"/>
-                                          </p:stCondLst>
-                                        </p:cTn>
-                                        <p:tgtEl>
-                                          <p:spTgt spid="7">
-                                            <p:txEl>
-                                              <p:pRg st="4" end="4"/>
-                                            </p:txEl>
-                                          </p:spTgt>
-                                        </p:tgtEl>
-                                        <p:attrNameLst>
-                                          <p:attrName>style.visibility</p:attrName>
-                                        </p:attrNameLst>
-                                      </p:cBhvr>
-                                      <p:to>
-                                        <p:strVal val="visible"/>
-                                      </p:to>
-                                    </p:set>
-                                    <p:animEffect transition="in" filter="fade">
-                                      <p:cBhvr>
-                                        <p:cTn id="17" dur="10"/>
-                                        <p:tgtEl>
-                                          <p:spTgt spid="7">
-                                            <p:txEl>
-                                              <p:pRg st="4" end="4"/>
-                                            </p:txEl>
-                                          </p:spTgt>
-                                        </p:tgtEl>
-                                      </p:cBhvr>
-                                    </p:animEffect>
-                                  </p:childTnLst>
-                                </p:cTn>
-                              </p:par>
-                            </p:childTnLst>
-                          </p:cTn>
-                        </p:par>
-                      </p:childTnLst>
-                    </p:cTn>
-                  </p:par>
-                  <p:par>
-                    <p:cTn id="18" fill="hold">
-                      <p:stCondLst>
-                        <p:cond delay="indefinite"/>
-                      </p:stCondLst>
-                      <p:childTnLst>
-                        <p:par>
-                          <p:cTn id="19" fill="hold">
-                            <p:stCondLst>
-                              <p:cond delay="0"/>
-                            </p:stCondLst>
-                            <p:childTnLst>
-                              <p:par>
-                                <p:cTn id="20" presetID="10" presetClass="entr" presetSubtype="0" fill="hold" grpId="0" nodeType="clickEffect">
-                                  <p:stCondLst>
-                                    <p:cond delay="0"/>
-                                  </p:stCondLst>
-                                  <p:childTnLst>
-                                    <p:set>
-                                      <p:cBhvr>
-                                        <p:cTn id="21" dur="1" fill="hold">
-                                          <p:stCondLst>
-                                            <p:cond delay="0"/>
-                                          </p:stCondLst>
-                                        </p:cTn>
-                                        <p:tgtEl>
-                                          <p:spTgt spid="7">
-                                            <p:txEl>
-                                              <p:pRg st="6" end="6"/>
-                                            </p:txEl>
-                                          </p:spTgt>
-                                        </p:tgtEl>
-                                        <p:attrNameLst>
-                                          <p:attrName>style.visibility</p:attrName>
-                                        </p:attrNameLst>
-                                      </p:cBhvr>
-                                      <p:to>
-                                        <p:strVal val="visible"/>
-                                      </p:to>
-                                    </p:set>
-                                    <p:animEffect transition="in" filter="fade">
-                                      <p:cBhvr>
-                                        <p:cTn id="22" dur="10"/>
-                                        <p:tgtEl>
-                                          <p:spTgt spid="7">
-                                            <p:txEl>
-                                              <p:pRg st="6" end="6"/>
-                                            </p:txEl>
-                                          </p:spTgt>
-                                        </p:tgtEl>
-                                      </p:cBhvr>
-                                    </p:animEffect>
-                                  </p:childTnLst>
-                                </p:cTn>
-                              </p:par>
-                            </p:childTnLst>
-                          </p:cTn>
-                        </p:par>
-                      </p:childTnLst>
-                    </p:cTn>
-                  </p:par>
-                  <p:par>
-                    <p:cTn id="23" fill="hold">
-                      <p:stCondLst>
-                        <p:cond delay="indefinite"/>
-                      </p:stCondLst>
-                      <p:childTnLst>
-                        <p:par>
-                          <p:cTn id="24" fill="hold">
-                            <p:stCondLst>
-                              <p:cond delay="0"/>
-                            </p:stCondLst>
-                            <p:childTnLst>
-                              <p:par>
-                                <p:cTn id="25" presetID="10" presetClass="entr" presetSubtype="0" fill="hold" grpId="0" nodeType="clickEffect">
-                                  <p:stCondLst>
-                                    <p:cond delay="0"/>
-                                  </p:stCondLst>
-                                  <p:childTnLst>
-                                    <p:set>
-                                      <p:cBhvr>
-                                        <p:cTn id="26" dur="1" fill="hold">
-                                          <p:stCondLst>
-                                            <p:cond delay="0"/>
-                                          </p:stCondLst>
-                                        </p:cTn>
-                                        <p:tgtEl>
-                                          <p:spTgt spid="7">
-                                            <p:txEl>
-                                              <p:pRg st="8" end="8"/>
-                                            </p:txEl>
-                                          </p:spTgt>
-                                        </p:tgtEl>
-                                        <p:attrNameLst>
-                                          <p:attrName>style.visibility</p:attrName>
-                                        </p:attrNameLst>
-                                      </p:cBhvr>
-                                      <p:to>
-                                        <p:strVal val="visible"/>
-                                      </p:to>
-                                    </p:set>
-                                    <p:animEffect transition="in" filter="fade">
-                                      <p:cBhvr>
-                                        <p:cTn id="27" dur="10"/>
-                                        <p:tgtEl>
-                                          <p:spTgt spid="7">
-                                            <p:txEl>
-                                              <p:pRg st="8" end="8"/>
-                                            </p:txEl>
-                                          </p:spTgt>
-                                        </p:tgtEl>
-                                      </p:cBhvr>
-                                    </p:animEffect>
-                                  </p:childTnLst>
-                                </p:cTn>
-                              </p:par>
-                            </p:childTnLst>
-                          </p:cTn>
-                        </p:par>
-                      </p:childTnLst>
-                    </p:cTn>
-                  </p:par>
-                  <p:par>
-                    <p:cTn id="28" fill="hold">
-                      <p:stCondLst>
-                        <p:cond delay="indefinite"/>
-                      </p:stCondLst>
-                      <p:childTnLst>
-                        <p:par>
-                          <p:cTn id="29" fill="hold">
-                            <p:stCondLst>
-                              <p:cond delay="0"/>
-                            </p:stCondLst>
-                            <p:childTnLst>
-                              <p:par>
-                                <p:cTn id="30" presetID="1" presetClass="entr" presetSubtype="0" fill="hold" grpId="0" nodeType="clickEffect">
-                                  <p:stCondLst>
-                                    <p:cond delay="0"/>
-                                  </p:stCondLst>
-                                  <p:childTnLst>
-                                    <p:set>
-                                      <p:cBhvr>
-                                        <p:cTn id="31" dur="1" fill="hold">
-                                          <p:stCondLst>
-                                            <p:cond delay="9"/>
-                                          </p:stCondLst>
-                                        </p:cTn>
-                                        <p:tgtEl>
-                                          <p:spTgt spid="6">
-                                            <p:txEl>
-                                              <p:pRg st="0" end="0"/>
-                                            </p:txEl>
-                                          </p:spTgt>
-                                        </p:tgtEl>
-                                        <p:attrNameLst>
-                                          <p:attrName>style.visibility</p:attrName>
-                                        </p:attrNameLst>
-                                      </p:cBhvr>
-                                      <p:to>
-                                        <p:strVal val="visible"/>
-                                      </p:to>
-                                    </p:set>
-                                  </p:childTnLst>
-                                </p:cTn>
-                              </p:par>
-                            </p:childTnLst>
-                          </p:cTn>
-                        </p:par>
-                      </p:childTnLst>
-                    </p:cTn>
-                  </p:par>
-                  <p:par>
-                    <p:cTn id="32" fill="hold">
-                      <p:stCondLst>
-                        <p:cond delay="indefinite"/>
-                      </p:stCondLst>
-                      <p:childTnLst>
-                        <p:par>
-                          <p:cTn id="33" fill="hold">
-                            <p:stCondLst>
-                              <p:cond delay="0"/>
-                            </p:stCondLst>
-                            <p:childTnLst>
-                              <p:par>
-                                <p:cTn id="34" presetID="1" presetClass="entr" presetSubtype="0" fill="hold" grpId="0" nodeType="clickEffect">
-                                  <p:stCondLst>
-                                    <p:cond delay="0"/>
-                                  </p:stCondLst>
-                                  <p:childTnLst>
-                                    <p:set>
-                                      <p:cBhvr>
-                                        <p:cTn id="35" dur="1" fill="hold">
-                                          <p:stCondLst>
-                                            <p:cond delay="9"/>
-                                          </p:stCondLst>
-                                        </p:cTn>
-                                        <p:tgtEl>
-                                          <p:spTgt spid="6">
-                                            <p:txEl>
-                                              <p:pRg st="1" end="1"/>
-                                            </p:txEl>
-                                          </p:spTgt>
-                                        </p:tgtEl>
-                                        <p:attrNameLst>
-                                          <p:attrName>style.visibility</p:attrName>
-                                        </p:attrNameLst>
-                                      </p:cBhvr>
-                                      <p:to>
-                                        <p:strVal val="visible"/>
-                                      </p:to>
-                                    </p:set>
-                                  </p:childTnLst>
-                                </p:cTn>
-                              </p:par>
-                            </p:childTnLst>
-                          </p:cTn>
-                        </p:par>
-                      </p:childTnLst>
-                    </p:cTn>
-                  </p:par>
-                  <p:par>
-                    <p:cTn id="36" fill="hold">
-                      <p:stCondLst>
-                        <p:cond delay="indefinite"/>
-                      </p:stCondLst>
-                      <p:childTnLst>
-                        <p:par>
-                          <p:cTn id="37" fill="hold">
-                            <p:stCondLst>
-                              <p:cond delay="0"/>
-                            </p:stCondLst>
-                            <p:childTnLst>
-                              <p:par>
-                                <p:cTn id="38" presetID="1" presetClass="entr" presetSubtype="0" fill="hold" grpId="0" nodeType="clickEffect">
-                                  <p:stCondLst>
-                                    <p:cond delay="0"/>
-                                  </p:stCondLst>
-                                  <p:childTnLst>
-                                    <p:set>
-                                      <p:cBhvr>
-                                        <p:cTn id="39" dur="1" fill="hold">
-                                          <p:stCondLst>
-                                            <p:cond delay="9"/>
-                                          </p:stCondLst>
-                                        </p:cTn>
-                                        <p:tgtEl>
-                                          <p:spTgt spid="6">
-                                            <p:txEl>
-                                              <p:pRg st="2" end="2"/>
-                                            </p:txEl>
-                                          </p:spTgt>
-                                        </p:tgtEl>
-                                        <p:attrNameLst>
-                                          <p:attrName>style.visibility</p:attrName>
-                                        </p:attrNameLst>
-                                      </p:cBhvr>
-                                      <p:to>
-                                        <p:strVal val="visible"/>
-                                      </p:to>
-                                    </p:set>
-                                  </p:childTnLst>
-                                </p:cTn>
-                              </p:par>
-                            </p:childTnLst>
-                          </p:cTn>
-                        </p:par>
-                      </p:childTnLst>
-                    </p:cTn>
-                  </p:par>
-                </p:childTnLst>
-              </p:cTn>
-              <p:prevCondLst>
-                <p:cond evt="onPrev" delay="0">
-                  <p:tgtEl>
-                    <p:sldTgt/>
-                  </p:tgtEl>
-                </p:cond>
-              </p:prevCondLst>
-              <p:nextCondLst>
-                <p:cond evt="onNext" delay="0">
-                  <p:tgtEl>
-                    <p:sldTgt/>
-                  </p:tgtEl>
-                </p:cond>
-              </p:nextCondLst>
-            </p:seq>
-          </p:childTnLst>
-        </p:cTn>
+        <p:cTn id="1" dur="indefinite" restart="never" nodeType="tmRoot"/>
       </p:par>
     </p:tnLst>
-    <p:bldLst>
-      <p:bldP spid="6" grpId="0" uiExpand="1" build="p"/>
-      <p:bldP spid="7" grpId="0" uiExpand="1" build="p"/>
-    </p:bldLst>
   </p:timing>
 </p:sld>
 </file>
@@ -5654,7 +5001,7 @@
         </p:nvSpPr>
         <p:spPr>
           <a:xfrm>
-            <a:off x="2933" y="0"/>
+            <a:off x="0" y="0"/>
             <a:ext cx="12192000" cy="6858000"/>
           </a:xfrm>
           <a:prstGeom prst="rect">
@@ -5716,7 +5063,7 @@
           <a:p>
             <a:r>
               <a:rPr lang="en-GB" dirty="0" smtClean="0"/>
-              <a:t>Service Delivery 101</a:t>
+              <a:t>The Saviour??</a:t>
             </a:r>
             <a:endParaRPr lang="en-GB" dirty="0"/>
           </a:p>
@@ -5724,14 +5071,14 @@
       </p:sp>
       <p:sp>
         <p:nvSpPr>
-          <p:cNvPr id="7" name="TextBox 6"/>
+          <p:cNvPr id="3" name="TextBox 2"/>
           <p:cNvSpPr txBox="1"/>
           <p:nvPr/>
         </p:nvSpPr>
         <p:spPr>
           <a:xfrm>
-            <a:off x="289247" y="1595021"/>
-            <a:ext cx="11744601" cy="3785652"/>
+            <a:off x="3850640" y="1727200"/>
+            <a:ext cx="4876800" cy="3170099"/>
           </a:xfrm>
           <a:prstGeom prst="rect">
             <a:avLst/>
@@ -5745,127 +5092,34 @@
           <a:lstStyle/>
           <a:p>
             <a:r>
-              <a:rPr lang="en-GB" sz="2400" dirty="0" smtClean="0"/>
-              <a:t>What is Service Delivery?</a:t>
-            </a:r>
-          </a:p>
-          <a:p>
-            <a:r>
-              <a:rPr lang="en-GB" sz="2400" dirty="0" smtClean="0">
-                <a:solidFill>
-                  <a:srgbClr val="C00000"/>
-                </a:solidFill>
-              </a:rPr>
-              <a:t>Service Delivery can be simplified into 3 streams</a:t>
-            </a:r>
-          </a:p>
-          <a:p>
-            <a:r>
-              <a:rPr lang="en-GB" sz="2400" dirty="0" smtClean="0">
-                <a:solidFill>
-                  <a:srgbClr val="C00000"/>
-                </a:solidFill>
-              </a:rPr>
-              <a:t>Standard Work Requests – New Accounts , Mailboxes, SharePoint Sites, Virtual Servers (</a:t>
-            </a:r>
-            <a:r>
-              <a:rPr lang="en-GB" sz="2400" dirty="0" err="1" smtClean="0">
-                <a:solidFill>
-                  <a:srgbClr val="C00000"/>
-                </a:solidFill>
-              </a:rPr>
-              <a:t>std</a:t>
-            </a:r>
-            <a:r>
-              <a:rPr lang="en-GB" sz="2400" dirty="0" smtClean="0">
-                <a:solidFill>
-                  <a:srgbClr val="C00000"/>
-                </a:solidFill>
-              </a:rPr>
-              <a:t>)</a:t>
-            </a:r>
-            <a:endParaRPr lang="en-GB" sz="2400" dirty="0">
-              <a:solidFill>
-                <a:srgbClr val="C00000"/>
-              </a:solidFill>
-            </a:endParaRPr>
-          </a:p>
-          <a:p>
-            <a:r>
-              <a:rPr lang="en-GB" sz="2400" dirty="0" smtClean="0">
-                <a:solidFill>
-                  <a:srgbClr val="C00000"/>
-                </a:solidFill>
-              </a:rPr>
-              <a:t>Bespoke Work Requests –  Small Variations to the above</a:t>
-            </a:r>
-          </a:p>
-          <a:p>
-            <a:r>
-              <a:rPr lang="en-GB" sz="2400" dirty="0" smtClean="0">
-                <a:solidFill>
-                  <a:srgbClr val="C00000"/>
-                </a:solidFill>
-              </a:rPr>
-              <a:t>Projects – New functionality implementations – CRM, Project Server, In-house Applications</a:t>
-            </a:r>
-          </a:p>
-          <a:p>
-            <a:endParaRPr lang="en-GB" sz="2400" dirty="0" smtClean="0">
-              <a:solidFill>
-                <a:srgbClr val="C00000"/>
-              </a:solidFill>
-            </a:endParaRPr>
-          </a:p>
-          <a:p>
-            <a:r>
-              <a:rPr lang="en-GB" sz="2400" dirty="0" smtClean="0"/>
-              <a:t>Why should we worry about not delivering within our own environment?</a:t>
-            </a:r>
-          </a:p>
-          <a:p>
-            <a:r>
-              <a:rPr lang="en-GB" sz="2400" dirty="0" smtClean="0">
-                <a:solidFill>
-                  <a:srgbClr val="C00000"/>
-                </a:solidFill>
-              </a:rPr>
-              <a:t>Imagine the inability to withdraw cash or that Credit\Debit cards no longer existed or Online Shopping Sites didn’t exist – How would you cope day to day? – That is how the business users will continue to view IT – Behind the times inefficient and the </a:t>
-            </a:r>
-            <a:r>
-              <a:rPr lang="en-GB" sz="2400" b="1" u="sng" dirty="0" smtClean="0">
-                <a:solidFill>
-                  <a:srgbClr val="C00000"/>
-                </a:solidFill>
-              </a:rPr>
-              <a:t>LAST</a:t>
-            </a:r>
-            <a:r>
-              <a:rPr lang="en-GB" sz="2400" dirty="0" smtClean="0">
-                <a:solidFill>
-                  <a:srgbClr val="C00000"/>
-                </a:solidFill>
-              </a:rPr>
-              <a:t> resort</a:t>
-            </a:r>
-            <a:endParaRPr lang="en-GB" sz="2400" dirty="0">
-              <a:solidFill>
-                <a:srgbClr val="C00000"/>
-              </a:solidFill>
-            </a:endParaRPr>
-          </a:p>
-        </p:txBody>
-      </p:sp>
-      <p:sp>
-        <p:nvSpPr>
-          <p:cNvPr id="5" name="TextBox 4"/>
+              <a:rPr lang="en-GB" sz="4000" dirty="0" smtClean="0"/>
+              <a:t>PowerShell DSC </a:t>
+            </a:r>
+          </a:p>
+          <a:p>
+            <a:endParaRPr lang="en-GB" sz="4000" dirty="0" smtClean="0"/>
+          </a:p>
+          <a:p>
+            <a:r>
+              <a:rPr lang="en-GB" sz="4000" dirty="0" smtClean="0"/>
+              <a:t>Desired State Configuration</a:t>
+            </a:r>
+          </a:p>
+          <a:p>
+            <a:endParaRPr lang="en-GB" sz="4000" dirty="0"/>
+          </a:p>
+        </p:txBody>
+      </p:sp>
+      <p:sp>
+        <p:nvSpPr>
+          <p:cNvPr id="6" name="TextBox 5"/>
           <p:cNvSpPr txBox="1"/>
           <p:nvPr/>
         </p:nvSpPr>
         <p:spPr>
           <a:xfrm>
-            <a:off x="416689" y="5532699"/>
-            <a:ext cx="11505235" cy="461665"/>
+            <a:off x="751840" y="5425440"/>
+            <a:ext cx="11013440" cy="923330"/>
           </a:xfrm>
           <a:prstGeom prst="rect">
             <a:avLst/>
@@ -5878,19 +5132,38 @@
           </a:bodyPr>
           <a:lstStyle/>
           <a:p>
-            <a:pPr algn="ctr"/>
-            <a:r>
-              <a:rPr lang="en-GB" sz="2400" dirty="0" smtClean="0"/>
-              <a:t>So what can we look to do to mitigate these Issues?</a:t>
-            </a:r>
-            <a:endParaRPr lang="en-GB" sz="2400" dirty="0"/>
+            <a:r>
+              <a:rPr lang="en-GB" dirty="0" err="1" smtClean="0"/>
+              <a:t>Dsc</a:t>
+            </a:r>
+            <a:r>
+              <a:rPr lang="en-GB" dirty="0" smtClean="0"/>
+              <a:t> can be simplified to being the absolute configuration that you require your machines to contain and will maintain this configuration thanks to Microsoft’s implementation of DMTF (</a:t>
+            </a:r>
+            <a:r>
+              <a:rPr lang="en-GB" dirty="0" err="1" smtClean="0"/>
+              <a:t>Distrubuted</a:t>
+            </a:r>
+            <a:r>
+              <a:rPr lang="en-GB" dirty="0" smtClean="0"/>
+              <a:t> Management Task Force) standards including WS-Man (</a:t>
+            </a:r>
+            <a:r>
+              <a:rPr lang="en-GB" dirty="0" err="1" smtClean="0"/>
+              <a:t>WinRM</a:t>
+            </a:r>
+            <a:r>
+              <a:rPr lang="en-GB" dirty="0" smtClean="0"/>
+              <a:t>) &amp;  OMI to ease Configuration Management.</a:t>
+            </a:r>
+            <a:endParaRPr lang="en-GB" dirty="0"/>
           </a:p>
         </p:txBody>
       </p:sp>
     </p:spTree>
     <p:extLst>
       <p:ext uri="{BB962C8B-B14F-4D97-AF65-F5344CB8AC3E}">
-        <p14:creationId xmlns:p14="http://schemas.microsoft.com/office/powerpoint/2010/main" val="12280185"/>
+        <p14:creationId xmlns:p14="http://schemas.microsoft.com/office/powerpoint/2010/main" val="2296921474"/>
       </p:ext>
     </p:extLst>
   </p:cSld>
@@ -5994,7 +5267,7 @@
           <a:p>
             <a:r>
               <a:rPr lang="en-GB" dirty="0" smtClean="0"/>
-              <a:t>Round the Room Votes!</a:t>
+              <a:t>So ……?	</a:t>
             </a:r>
             <a:endParaRPr lang="en-GB" dirty="0"/>
           </a:p>
@@ -6002,14 +5275,14 @@
       </p:sp>
       <p:sp>
         <p:nvSpPr>
-          <p:cNvPr id="7" name="TextBox 6"/>
+          <p:cNvPr id="3" name="TextBox 2"/>
           <p:cNvSpPr txBox="1"/>
           <p:nvPr/>
         </p:nvSpPr>
         <p:spPr>
           <a:xfrm>
-            <a:off x="358815" y="1909823"/>
-            <a:ext cx="11539960" cy="3539430"/>
+            <a:off x="4348480" y="3075057"/>
+            <a:ext cx="3444240" cy="707886"/>
           </a:xfrm>
           <a:prstGeom prst="rect">
             <a:avLst/>
@@ -6022,62 +5295,18 @@
           </a:bodyPr>
           <a:lstStyle/>
           <a:p>
-            <a:pPr marL="285750" indent="-285750">
-              <a:buFont typeface="Arial" panose="020B0604020202020204" pitchFamily="34" charset="0"/>
-              <a:buChar char="•"/>
-            </a:pPr>
-            <a:r>
-              <a:rPr lang="en-GB" sz="2800" dirty="0" smtClean="0"/>
-              <a:t>Company size – Under 100 FTE’s = ??  100 to 200 FTE’s = ??  200 to 500 FTE’s = ?? 500-1000 FTE’s = ?? 1000+ FTE’s = ??</a:t>
-            </a:r>
-          </a:p>
-          <a:p>
-            <a:pPr marL="285750" indent="-285750">
-              <a:buFont typeface="Arial" panose="020B0604020202020204" pitchFamily="34" charset="0"/>
-              <a:buChar char="•"/>
-            </a:pPr>
-            <a:endParaRPr lang="en-GB" sz="2800" dirty="0"/>
-          </a:p>
-          <a:p>
-            <a:pPr marL="285750" indent="-285750">
-              <a:buFont typeface="Arial" panose="020B0604020202020204" pitchFamily="34" charset="0"/>
-              <a:buChar char="•"/>
-            </a:pPr>
-            <a:r>
-              <a:rPr lang="en-GB" sz="2800" dirty="0" smtClean="0"/>
-              <a:t>Do you have SharePoint??   Yes = ?? %  No = ?? %</a:t>
-            </a:r>
-          </a:p>
-          <a:p>
-            <a:pPr marL="285750" indent="-285750">
-              <a:buFont typeface="Arial" panose="020B0604020202020204" pitchFamily="34" charset="0"/>
-              <a:buChar char="•"/>
-            </a:pPr>
-            <a:endParaRPr lang="en-GB" sz="2800" dirty="0"/>
-          </a:p>
-          <a:p>
-            <a:pPr marL="285750" indent="-285750">
-              <a:buFont typeface="Arial" panose="020B0604020202020204" pitchFamily="34" charset="0"/>
-              <a:buChar char="•"/>
-            </a:pPr>
-            <a:r>
-              <a:rPr lang="en-GB" sz="2800" dirty="0" smtClean="0"/>
-              <a:t>If yes then is it – 2003 = ??  2007 = ??  2010 = ??  2013 = ??  Online = ??  Not Sure = ??</a:t>
-            </a:r>
-          </a:p>
-          <a:p>
-            <a:pPr marL="285750" indent="-285750">
-              <a:buFont typeface="Arial" panose="020B0604020202020204" pitchFamily="34" charset="0"/>
-              <a:buChar char="•"/>
-            </a:pPr>
-            <a:endParaRPr lang="en-GB" sz="2800" dirty="0"/>
+            <a:r>
+              <a:rPr lang="en-GB" sz="4000" dirty="0" smtClean="0"/>
+              <a:t>Let’s Demo this</a:t>
+            </a:r>
+            <a:endParaRPr lang="en-GB" sz="4000" dirty="0"/>
           </a:p>
         </p:txBody>
       </p:sp>
     </p:spTree>
     <p:extLst>
       <p:ext uri="{BB962C8B-B14F-4D97-AF65-F5344CB8AC3E}">
-        <p14:creationId xmlns:p14="http://schemas.microsoft.com/office/powerpoint/2010/main" val="333761027"/>
+        <p14:creationId xmlns:p14="http://schemas.microsoft.com/office/powerpoint/2010/main" val="1946118449"/>
       </p:ext>
     </p:extLst>
   </p:cSld>
@@ -6119,7 +5348,7 @@
         </p:nvSpPr>
         <p:spPr>
           <a:xfrm>
-            <a:off x="0" y="0"/>
+            <a:off x="1539" y="-15240"/>
             <a:ext cx="12192000" cy="6858000"/>
           </a:xfrm>
           <a:prstGeom prst="rect">
@@ -6169,7 +5398,7 @@
         </p:nvSpPr>
         <p:spPr>
           <a:xfrm>
-            <a:off x="103517" y="182084"/>
+            <a:off x="103517" y="2477228"/>
             <a:ext cx="11930332" cy="1103252"/>
           </a:xfrm>
         </p:spPr>
@@ -6181,7 +5410,7 @@
           <a:p>
             <a:r>
               <a:rPr lang="en-GB" dirty="0" smtClean="0"/>
-              <a:t>DEMO</a:t>
+              <a:t>Any Questions??</a:t>
             </a:r>
             <a:endParaRPr lang="en-GB" dirty="0"/>
           </a:p>
@@ -6190,7 +5419,7 @@
     </p:spTree>
     <p:extLst>
       <p:ext uri="{BB962C8B-B14F-4D97-AF65-F5344CB8AC3E}">
-        <p14:creationId xmlns:p14="http://schemas.microsoft.com/office/powerpoint/2010/main" val="3062927766"/>
+        <p14:creationId xmlns:p14="http://schemas.microsoft.com/office/powerpoint/2010/main" val="3247846072"/>
       </p:ext>
     </p:extLst>
   </p:cSld>
@@ -6282,7 +5511,7 @@
         </p:nvSpPr>
         <p:spPr>
           <a:xfrm>
-            <a:off x="103517" y="2477228"/>
+            <a:off x="132373" y="0"/>
             <a:ext cx="11930332" cy="1103252"/>
           </a:xfrm>
         </p:spPr>
@@ -6294,16 +5523,105 @@
           <a:p>
             <a:r>
               <a:rPr lang="en-GB" dirty="0" smtClean="0"/>
-              <a:t>Any Questions??</a:t>
+              <a:t>PowerShell DSC Resources</a:t>
             </a:r>
             <a:endParaRPr lang="en-GB" dirty="0"/>
+          </a:p>
+        </p:txBody>
+      </p:sp>
+      <p:sp>
+        <p:nvSpPr>
+          <p:cNvPr id="5" name="TextBox 4"/>
+          <p:cNvSpPr txBox="1"/>
+          <p:nvPr/>
+        </p:nvSpPr>
+        <p:spPr>
+          <a:xfrm>
+            <a:off x="2011680" y="1029178"/>
+            <a:ext cx="8351520" cy="5262979"/>
+          </a:xfrm>
+          <a:prstGeom prst="rect">
+            <a:avLst/>
+          </a:prstGeom>
+          <a:noFill/>
+        </p:spPr>
+        <p:txBody>
+          <a:bodyPr wrap="square" rtlCol="0" anchor="ctr">
+            <a:spAutoFit/>
+          </a:bodyPr>
+          <a:lstStyle/>
+          <a:p>
+            <a:pPr algn="ctr"/>
+            <a:r>
+              <a:rPr lang="en-GB" sz="2400" dirty="0" smtClean="0"/>
+              <a:t>Most DSC resources that are fully supported by Microsoft have been made Open-Source and can be found on GitHub under the PowerShell Repo</a:t>
+            </a:r>
+          </a:p>
+          <a:p>
+            <a:pPr algn="ctr"/>
+            <a:endParaRPr lang="en-GB" sz="2400" dirty="0"/>
+          </a:p>
+          <a:p>
+            <a:pPr algn="ctr"/>
+            <a:r>
+              <a:rPr lang="en-GB" sz="2400" dirty="0">
+                <a:hlinkClick r:id="rId2"/>
+              </a:rPr>
+              <a:t>https://</a:t>
+            </a:r>
+            <a:r>
+              <a:rPr lang="en-GB" sz="2400" dirty="0" smtClean="0">
+                <a:hlinkClick r:id="rId2"/>
+              </a:rPr>
+              <a:t>github.com/PowerShell</a:t>
+            </a:r>
+            <a:endParaRPr lang="en-GB" sz="2400" dirty="0" smtClean="0"/>
+          </a:p>
+          <a:p>
+            <a:pPr algn="ctr"/>
+            <a:endParaRPr lang="en-GB" sz="2400" dirty="0"/>
+          </a:p>
+          <a:p>
+            <a:pPr algn="ctr"/>
+            <a:r>
+              <a:rPr lang="en-GB" sz="2400" dirty="0" smtClean="0"/>
+              <a:t>Some are built into Windows PowerShell since v4 (now on v5 on Windows 10)</a:t>
+            </a:r>
+          </a:p>
+          <a:p>
+            <a:pPr algn="ctr"/>
+            <a:endParaRPr lang="en-GB" sz="2400" dirty="0"/>
+          </a:p>
+          <a:p>
+            <a:pPr algn="ctr"/>
+            <a:r>
+              <a:rPr lang="en-GB" sz="2400" dirty="0" smtClean="0"/>
+              <a:t>Though in only 20 minutes you could easily create your own DSC Resource if you know PowerShell as all of the Resources are built in PowerShell and there are plenty of PowerShell MVP’s (</a:t>
+            </a:r>
+            <a:r>
+              <a:rPr lang="en-GB" sz="2400" dirty="0"/>
+              <a:t>now Cloud and </a:t>
+            </a:r>
+            <a:r>
+              <a:rPr lang="en-GB" sz="2400" dirty="0" err="1"/>
+              <a:t>Datacenter</a:t>
+            </a:r>
+            <a:r>
+              <a:rPr lang="en-GB" sz="2400" dirty="0"/>
+              <a:t> </a:t>
+            </a:r>
+            <a:r>
+              <a:rPr lang="en-GB" sz="2400" dirty="0" smtClean="0"/>
+              <a:t>Management) that publish new resources each week.</a:t>
+            </a:r>
+            <a:endParaRPr lang="en-GB" sz="2400" dirty="0"/>
           </a:p>
         </p:txBody>
       </p:sp>
     </p:spTree>
     <p:extLst>
       <p:ext uri="{BB962C8B-B14F-4D97-AF65-F5344CB8AC3E}">
-        <p14:creationId xmlns:p14="http://schemas.microsoft.com/office/powerpoint/2010/main" val="3247846072"/>
+        <p14:creationId xmlns:p14="http://schemas.microsoft.com/office/powerpoint/2010/main" val="677916705"/>
       </p:ext>
     </p:extLst>
   </p:cSld>
@@ -6422,7 +5740,7 @@
         <p:spPr>
           <a:xfrm>
             <a:off x="502920" y="1874520"/>
-            <a:ext cx="11393424" cy="3785652"/>
+            <a:ext cx="11393424" cy="4154984"/>
           </a:xfrm>
           <a:prstGeom prst="rect">
             <a:avLst/>
@@ -6474,36 +5792,27 @@
           </a:p>
           <a:p>
             <a:r>
+              <a:rPr lang="en-GB" sz="2400" dirty="0"/>
+              <a:t>B</a:t>
+            </a:r>
+            <a:r>
               <a:rPr lang="en-GB" sz="2400" dirty="0" smtClean="0"/>
-              <a:t>SUG </a:t>
-            </a:r>
-            <a:r>
-              <a:rPr lang="en-GB" sz="2400" dirty="0"/>
-              <a:t>Yammer </a:t>
+              <a:t>log </a:t>
             </a:r>
             <a:r>
               <a:rPr lang="en-GB" sz="2400" dirty="0" smtClean="0"/>
-              <a:t>network -  </a:t>
+              <a:t>– </a:t>
             </a:r>
             <a:r>
               <a:rPr lang="en-GB" sz="2400" dirty="0" smtClean="0">
                 <a:hlinkClick r:id="rId3"/>
               </a:rPr>
-              <a:t>https</a:t>
-            </a:r>
-            <a:r>
-              <a:rPr lang="en-GB" sz="2400" dirty="0">
-                <a:hlinkClick r:id="rId3"/>
-              </a:rPr>
-              <a:t>://www.yammer.com/sharepointusergroupukcommunity</a:t>
-            </a:r>
-            <a:r>
-              <a:rPr lang="en-GB" sz="2400" dirty="0" smtClean="0">
-                <a:hlinkClick r:id="rId3"/>
-              </a:rPr>
-              <a:t>/</a:t>
-            </a:r>
-            <a:endParaRPr lang="en-GB" sz="2400" dirty="0" smtClean="0"/>
+              <a:t>www.kilasuit.org/blog</a:t>
+            </a:r>
+            <a:r>
+              <a:rPr lang="en-GB" sz="2400" dirty="0" smtClean="0"/>
+              <a:t> </a:t>
+            </a:r>
           </a:p>
           <a:p>
             <a:endParaRPr lang="en-GB" sz="2400" dirty="0"/>
@@ -6511,32 +5820,45 @@
           <a:p>
             <a:r>
               <a:rPr lang="en-GB" sz="2400" dirty="0" smtClean="0"/>
-              <a:t>Blog – </a:t>
+              <a:t>Email/Lync – </a:t>
             </a:r>
             <a:r>
               <a:rPr lang="en-GB" sz="2400" dirty="0" smtClean="0">
                 <a:hlinkClick r:id="rId4"/>
               </a:rPr>
-              <a:t>www.kilasuit.org/blog</a:t>
-            </a:r>
+              <a:t>ryan.yates@kilasuit.org</a:t>
+            </a:r>
+            <a:endParaRPr lang="en-GB" sz="2400" dirty="0" smtClean="0"/>
+          </a:p>
+          <a:p>
+            <a:endParaRPr lang="en-GB" sz="2400" dirty="0"/>
+          </a:p>
+          <a:p>
             <a:r>
               <a:rPr lang="en-GB" sz="2400" dirty="0" smtClean="0"/>
-              <a:t> </a:t>
-            </a:r>
-          </a:p>
-          <a:p>
-            <a:endParaRPr lang="en-GB" sz="2400" dirty="0"/>
-          </a:p>
-          <a:p>
+              <a:t>PowerShell User Group Meetup – Extended session on DSC &amp; intro to PowerShell on November 24</a:t>
+            </a:r>
+            <a:r>
+              <a:rPr lang="en-GB" sz="2400" baseline="30000" dirty="0" smtClean="0"/>
+              <a:t>th</a:t>
+            </a:r>
             <a:r>
               <a:rPr lang="en-GB" sz="2400" dirty="0" smtClean="0"/>
-              <a:t>Email/Lync – </a:t>
+              <a:t> Here at </a:t>
+            </a:r>
+            <a:r>
+              <a:rPr lang="en-GB" sz="2400" dirty="0" err="1" smtClean="0"/>
+              <a:t>SpacePort</a:t>
+            </a:r>
+            <a:r>
+              <a:rPr lang="en-GB" sz="2400" dirty="0" smtClean="0"/>
+              <a:t> – Signup is at </a:t>
             </a:r>
             <a:r>
               <a:rPr lang="en-GB" sz="2400" dirty="0" smtClean="0">
                 <a:hlinkClick r:id="rId5"/>
               </a:rPr>
-              <a:t>ryan.yates@kilasuit.org</a:t>
+              <a:t>www.get-psuguk.eventbrite.co.uk</a:t>
             </a:r>
             <a:endParaRPr lang="en-GB" sz="2400" dirty="0" smtClean="0"/>
           </a:p>

--- a/DevOpsMCR/DevOps for a Microsoft guy - is it really possible.pptx
+++ b/DevOpsMCR/DevOps for a Microsoft guy - is it really possible.pptx
@@ -4354,7 +4354,7 @@
                                       <p:cBhvr>
                                         <p:cTn id="10" dur="1" fill="hold">
                                           <p:stCondLst>
-                                            <p:cond delay="2749"/>
+                                            <p:cond delay="9"/>
                                           </p:stCondLst>
                                         </p:cTn>
                                         <p:tgtEl>
@@ -4375,17 +4375,35 @@
                                   </p:childTnLst>
                                 </p:cTn>
                               </p:par>
+                            </p:childTnLst>
+                          </p:cTn>
+                        </p:par>
+                      </p:childTnLst>
+                    </p:cTn>
+                  </p:par>
+                  <p:par>
+                    <p:cTn id="11" fill="hold">
+                      <p:stCondLst>
+                        <p:cond delay="indefinite"/>
+                      </p:stCondLst>
+                      <p:childTnLst>
+                        <p:par>
+                          <p:cTn id="12" fill="hold">
+                            <p:stCondLst>
+                              <p:cond delay="0"/>
+                            </p:stCondLst>
+                            <p:childTnLst>
                               <p:par>
-                                <p:cTn id="11" presetID="1" presetClass="entr" presetSubtype="0" fill="hold" grpId="0" nodeType="withEffect">
+                                <p:cTn id="13" presetID="1" presetClass="entr" presetSubtype="0" fill="hold" grpId="0" nodeType="clickEffect">
                                   <p:stCondLst>
                                     <p:cond delay="0"/>
                                   </p:stCondLst>
                                   <p:childTnLst>
                                     <p:set>
                                       <p:cBhvr>
-                                        <p:cTn id="12" dur="1" fill="hold">
+                                        <p:cTn id="14" dur="1" fill="hold">
                                           <p:stCondLst>
-                                            <p:cond delay="2999"/>
+                                            <p:cond delay="9"/>
                                           </p:stCondLst>
                                         </p:cTn>
                                         <p:tgtEl>
@@ -4409,23 +4427,32 @@
                             </p:childTnLst>
                           </p:cTn>
                         </p:par>
+                      </p:childTnLst>
+                    </p:cTn>
+                  </p:par>
+                  <p:par>
+                    <p:cTn id="15" fill="hold">
+                      <p:stCondLst>
+                        <p:cond delay="indefinite"/>
+                      </p:stCondLst>
+                      <p:childTnLst>
                         <p:par>
-                          <p:cTn id="13" fill="hold">
+                          <p:cTn id="16" fill="hold">
                             <p:stCondLst>
-                              <p:cond delay="3000"/>
+                              <p:cond delay="0"/>
                             </p:stCondLst>
                             <p:childTnLst>
                               <p:par>
-                                <p:cTn id="14" presetID="1" presetClass="entr" presetSubtype="0" fill="hold" grpId="0" nodeType="afterEffect">
+                                <p:cTn id="17" presetID="1" presetClass="entr" presetSubtype="0" fill="hold" grpId="0" nodeType="clickEffect">
                                   <p:stCondLst>
                                     <p:cond delay="0"/>
                                   </p:stCondLst>
                                   <p:childTnLst>
                                     <p:set>
                                       <p:cBhvr>
-                                        <p:cTn id="15" dur="1" fill="hold">
+                                        <p:cTn id="18" dur="1" fill="hold">
                                           <p:stCondLst>
-                                            <p:cond delay="2999"/>
+                                            <p:cond delay="9"/>
                                           </p:stCondLst>
                                         </p:cTn>
                                         <p:tgtEl>
@@ -4447,16 +4474,16 @@
                                 </p:cTn>
                               </p:par>
                               <p:par>
-                                <p:cTn id="16" presetID="1" presetClass="entr" presetSubtype="0" fill="hold" grpId="0" nodeType="withEffect">
+                                <p:cTn id="19" presetID="1" presetClass="entr" presetSubtype="0" fill="hold" grpId="0" nodeType="withEffect">
                                   <p:stCondLst>
                                     <p:cond delay="0"/>
                                   </p:stCondLst>
                                   <p:childTnLst>
                                     <p:set>
                                       <p:cBhvr>
-                                        <p:cTn id="17" dur="1" fill="hold">
+                                        <p:cTn id="20" dur="1" fill="hold">
                                           <p:stCondLst>
-                                            <p:cond delay="2999"/>
+                                            <p:cond delay="9"/>
                                           </p:stCondLst>
                                         </p:cTn>
                                         <p:tgtEl>
@@ -4478,16 +4505,16 @@
                                 </p:cTn>
                               </p:par>
                               <p:par>
-                                <p:cTn id="18" presetID="1" presetClass="entr" presetSubtype="0" fill="hold" grpId="0" nodeType="withEffect">
+                                <p:cTn id="21" presetID="1" presetClass="entr" presetSubtype="0" fill="hold" grpId="0" nodeType="withEffect">
                                   <p:stCondLst>
                                     <p:cond delay="0"/>
                                   </p:stCondLst>
                                   <p:childTnLst>
                                     <p:set>
                                       <p:cBhvr>
-                                        <p:cTn id="19" dur="1" fill="hold">
+                                        <p:cTn id="22" dur="1" fill="hold">
                                           <p:stCondLst>
-                                            <p:cond delay="4999"/>
+                                            <p:cond delay="9"/>
                                           </p:stCondLst>
                                         </p:cTn>
                                         <p:tgtEl>
@@ -4509,16 +4536,16 @@
                                 </p:cTn>
                               </p:par>
                               <p:par>
-                                <p:cTn id="20" presetID="1" presetClass="entr" presetSubtype="0" fill="hold" grpId="0" nodeType="withEffect">
+                                <p:cTn id="23" presetID="1" presetClass="entr" presetSubtype="0" fill="hold" grpId="0" nodeType="withEffect">
                                   <p:stCondLst>
                                     <p:cond delay="0"/>
                                   </p:stCondLst>
                                   <p:childTnLst>
                                     <p:set>
                                       <p:cBhvr>
-                                        <p:cTn id="21" dur="1" fill="hold">
+                                        <p:cTn id="24" dur="1" fill="hold">
                                           <p:stCondLst>
-                                            <p:cond delay="3999"/>
+                                            <p:cond delay="9"/>
                                           </p:stCondLst>
                                         </p:cTn>
                                         <p:tgtEl>
@@ -4540,16 +4567,16 @@
                                 </p:cTn>
                               </p:par>
                               <p:par>
-                                <p:cTn id="22" presetID="1" presetClass="entr" presetSubtype="0" fill="hold" grpId="0" nodeType="withEffect">
+                                <p:cTn id="25" presetID="1" presetClass="entr" presetSubtype="0" fill="hold" grpId="0" nodeType="withEffect">
                                   <p:stCondLst>
                                     <p:cond delay="0"/>
                                   </p:stCondLst>
                                   <p:childTnLst>
                                     <p:set>
                                       <p:cBhvr>
-                                        <p:cTn id="23" dur="1" fill="hold">
+                                        <p:cTn id="26" dur="1" fill="hold">
                                           <p:stCondLst>
-                                            <p:cond delay="4999"/>
+                                            <p:cond delay="9"/>
                                           </p:stCondLst>
                                         </p:cTn>
                                         <p:tgtEl>
@@ -4577,26 +4604,26 @@
                     </p:cTn>
                   </p:par>
                   <p:par>
-                    <p:cTn id="24" fill="hold">
+                    <p:cTn id="27" fill="hold">
                       <p:stCondLst>
                         <p:cond delay="indefinite"/>
                       </p:stCondLst>
                       <p:childTnLst>
                         <p:par>
-                          <p:cTn id="25" fill="hold">
+                          <p:cTn id="28" fill="hold">
                             <p:stCondLst>
                               <p:cond delay="0"/>
                             </p:stCondLst>
                             <p:childTnLst>
                               <p:par>
-                                <p:cTn id="26" presetID="2" presetClass="entr" presetSubtype="4" fill="hold" grpId="0" nodeType="clickEffect">
+                                <p:cTn id="29" presetID="2" presetClass="entr" presetSubtype="4" fill="hold" grpId="0" nodeType="clickEffect">
                                   <p:stCondLst>
                                     <p:cond delay="0"/>
                                   </p:stCondLst>
                                   <p:childTnLst>
                                     <p:set>
                                       <p:cBhvr>
-                                        <p:cTn id="27" dur="1" fill="hold">
+                                        <p:cTn id="30" dur="1" fill="hold">
                                           <p:stCondLst>
                                             <p:cond delay="0"/>
                                           </p:stCondLst>
@@ -4614,7 +4641,7 @@
                                     </p:set>
                                     <p:anim calcmode="lin" valueType="num">
                                       <p:cBhvr additive="base">
-                                        <p:cTn id="28" dur="500" fill="hold"/>
+                                        <p:cTn id="31" dur="10" fill="hold"/>
                                         <p:tgtEl>
                                           <p:spTgt spid="8"/>
                                         </p:tgtEl>
@@ -4637,7 +4664,7 @@
                                     </p:anim>
                                     <p:anim calcmode="lin" valueType="num">
                                       <p:cBhvr additive="base">
-                                        <p:cTn id="29" dur="500" fill="hold"/>
+                                        <p:cTn id="32" dur="10" fill="hold"/>
                                         <p:tgtEl>
                                           <p:spTgt spid="8"/>
                                         </p:tgtEl>
